--- a/contenido_curso/Programación Web - Día 3.pptx
+++ b/contenido_curso/Programación Web - Día 3.pptx
@@ -201,7 +201,7 @@
           <a:p>
             <a:fld id="{831EFE70-F5D3-49F6-8C2B-91E6FE538D8A}" type="datetimeFigureOut">
               <a:rPr lang="es-VE" smtClean="0"/>
-              <a:t>30/7/2023</a:t>
+              <a:t>25/8/2023</a:t>
             </a:fld>
             <a:endParaRPr lang="es-VE" dirty="0"/>
           </a:p>
@@ -650,7 +650,7 @@
           <a:p>
             <a:fld id="{823E8A56-526A-4CC4-96EA-C5813A8209A1}" type="datetimeFigureOut">
               <a:rPr lang="es-VE" smtClean="0"/>
-              <a:t>30/7/2023</a:t>
+              <a:t>25/8/2023</a:t>
             </a:fld>
             <a:endParaRPr lang="es-VE" dirty="0"/>
           </a:p>
@@ -820,7 +820,7 @@
           <a:p>
             <a:fld id="{823E8A56-526A-4CC4-96EA-C5813A8209A1}" type="datetimeFigureOut">
               <a:rPr lang="es-VE" smtClean="0"/>
-              <a:t>30/7/2023</a:t>
+              <a:t>25/8/2023</a:t>
             </a:fld>
             <a:endParaRPr lang="es-VE" dirty="0"/>
           </a:p>
@@ -1000,7 +1000,7 @@
           <a:p>
             <a:fld id="{823E8A56-526A-4CC4-96EA-C5813A8209A1}" type="datetimeFigureOut">
               <a:rPr lang="es-VE" smtClean="0"/>
-              <a:t>30/7/2023</a:t>
+              <a:t>25/8/2023</a:t>
             </a:fld>
             <a:endParaRPr lang="es-VE" dirty="0"/>
           </a:p>
@@ -1170,7 +1170,7 @@
           <a:p>
             <a:fld id="{823E8A56-526A-4CC4-96EA-C5813A8209A1}" type="datetimeFigureOut">
               <a:rPr lang="es-VE" smtClean="0"/>
-              <a:t>30/7/2023</a:t>
+              <a:t>25/8/2023</a:t>
             </a:fld>
             <a:endParaRPr lang="es-VE" dirty="0"/>
           </a:p>
@@ -1416,7 +1416,7 @@
           <a:p>
             <a:fld id="{823E8A56-526A-4CC4-96EA-C5813A8209A1}" type="datetimeFigureOut">
               <a:rPr lang="es-VE" smtClean="0"/>
-              <a:t>30/7/2023</a:t>
+              <a:t>25/8/2023</a:t>
             </a:fld>
             <a:endParaRPr lang="es-VE" dirty="0"/>
           </a:p>
@@ -1704,7 +1704,7 @@
           <a:p>
             <a:fld id="{823E8A56-526A-4CC4-96EA-C5813A8209A1}" type="datetimeFigureOut">
               <a:rPr lang="es-VE" smtClean="0"/>
-              <a:t>30/7/2023</a:t>
+              <a:t>25/8/2023</a:t>
             </a:fld>
             <a:endParaRPr lang="es-VE" dirty="0"/>
           </a:p>
@@ -2126,7 +2126,7 @@
           <a:p>
             <a:fld id="{823E8A56-526A-4CC4-96EA-C5813A8209A1}" type="datetimeFigureOut">
               <a:rPr lang="es-VE" smtClean="0"/>
-              <a:t>30/7/2023</a:t>
+              <a:t>25/8/2023</a:t>
             </a:fld>
             <a:endParaRPr lang="es-VE" dirty="0"/>
           </a:p>
@@ -2244,7 +2244,7 @@
           <a:p>
             <a:fld id="{823E8A56-526A-4CC4-96EA-C5813A8209A1}" type="datetimeFigureOut">
               <a:rPr lang="es-VE" smtClean="0"/>
-              <a:t>30/7/2023</a:t>
+              <a:t>25/8/2023</a:t>
             </a:fld>
             <a:endParaRPr lang="es-VE" dirty="0"/>
           </a:p>
@@ -2339,7 +2339,7 @@
           <a:p>
             <a:fld id="{823E8A56-526A-4CC4-96EA-C5813A8209A1}" type="datetimeFigureOut">
               <a:rPr lang="es-VE" smtClean="0"/>
-              <a:t>30/7/2023</a:t>
+              <a:t>25/8/2023</a:t>
             </a:fld>
             <a:endParaRPr lang="es-VE" dirty="0"/>
           </a:p>
@@ -2616,7 +2616,7 @@
           <a:p>
             <a:fld id="{823E8A56-526A-4CC4-96EA-C5813A8209A1}" type="datetimeFigureOut">
               <a:rPr lang="es-VE" smtClean="0"/>
-              <a:t>30/7/2023</a:t>
+              <a:t>25/8/2023</a:t>
             </a:fld>
             <a:endParaRPr lang="es-VE" dirty="0"/>
           </a:p>
@@ -2869,7 +2869,7 @@
           <a:p>
             <a:fld id="{823E8A56-526A-4CC4-96EA-C5813A8209A1}" type="datetimeFigureOut">
               <a:rPr lang="es-VE" smtClean="0"/>
-              <a:t>30/7/2023</a:t>
+              <a:t>25/8/2023</a:t>
             </a:fld>
             <a:endParaRPr lang="es-VE" dirty="0"/>
           </a:p>
@@ -3082,7 +3082,7 @@
           <a:p>
             <a:fld id="{823E8A56-526A-4CC4-96EA-C5813A8209A1}" type="datetimeFigureOut">
               <a:rPr lang="es-VE" smtClean="0"/>
-              <a:t>30/7/2023</a:t>
+              <a:t>25/8/2023</a:t>
             </a:fld>
             <a:endParaRPr lang="es-VE" dirty="0"/>
           </a:p>
@@ -3819,7 +3819,7 @@
         <p:spPr>
           <a:xfrm>
             <a:off x="854935" y="1351508"/>
-            <a:ext cx="7434131" cy="2800767"/>
+            <a:ext cx="7434131" cy="4154984"/>
           </a:xfrm>
           <a:prstGeom prst="rect">
             <a:avLst/>
@@ -3838,7 +3838,7 @@
                 <a:solidFill>
                   <a:schemeClr val="bg1"/>
                 </a:solidFill>
-                <a:latin typeface="Futurama" pitchFamily="2" charset="0"/>
+                <a:latin typeface="Ubuntu" panose="020B0504030602030204" pitchFamily="34" charset="0"/>
                 <a:ea typeface="Futura" panose="02020800000000000000" pitchFamily="18" charset="0"/>
                 <a:cs typeface="Futura" panose="02020800000000000000" pitchFamily="18" charset="0"/>
               </a:rPr>
@@ -3848,7 +3848,7 @@
               <a:solidFill>
                 <a:schemeClr val="bg1"/>
               </a:solidFill>
-              <a:latin typeface="Futurama" pitchFamily="2" charset="0"/>
+              <a:latin typeface="Ubuntu" panose="020B0504030602030204" pitchFamily="34" charset="0"/>
               <a:ea typeface="Futura" panose="02020800000000000000" pitchFamily="18" charset="0"/>
               <a:cs typeface="Futura" panose="02020800000000000000" pitchFamily="18" charset="0"/>
             </a:endParaRPr>
@@ -3941,16 +3941,7 @@
                 </a:solidFill>
                 <a:latin typeface="Ubuntu" panose="020B0504030602030204" pitchFamily="34" charset="0"/>
               </a:rPr>
-              <a:t>¿Qué </a:t>
-            </a:r>
-            <a:r>
-              <a:rPr lang="es-MX" sz="2800" b="1" dirty="0" smtClean="0">
-                <a:solidFill>
-                  <a:schemeClr val="bg1"/>
-                </a:solidFill>
-                <a:latin typeface="Ubuntu" panose="020B0504030602030204" pitchFamily="34" charset="0"/>
-              </a:rPr>
-              <a:t>es HTML?</a:t>
+              <a:t>¿Qué es HTML?</a:t>
             </a:r>
             <a:endParaRPr lang="es-VE" sz="2800" b="1" dirty="0">
               <a:solidFill>
@@ -4389,8 +4380,8 @@
         </p:nvSpPr>
         <p:spPr>
           <a:xfrm>
-            <a:off x="1292310" y="2705725"/>
-            <a:ext cx="6559381" cy="1446550"/>
+            <a:off x="1292309" y="1844824"/>
+            <a:ext cx="6559381" cy="2800767"/>
           </a:xfrm>
           <a:prstGeom prst="rect">
             <a:avLst/>
@@ -4409,7 +4400,7 @@
                 <a:solidFill>
                   <a:schemeClr val="bg1"/>
                 </a:solidFill>
-                <a:latin typeface="Futurama" pitchFamily="2" charset="0"/>
+                <a:latin typeface="Ubuntu" panose="020B0504030602030204" pitchFamily="34" charset="0"/>
               </a:rPr>
               <a:t>HTML semántico</a:t>
             </a:r>
@@ -4417,7 +4408,7 @@
               <a:solidFill>
                 <a:schemeClr val="bg1"/>
               </a:solidFill>
-              <a:latin typeface="Futurama" pitchFamily="2" charset="0"/>
+              <a:latin typeface="Ubuntu" panose="020B0504030602030204" pitchFamily="34" charset="0"/>
             </a:endParaRPr>
           </a:p>
         </p:txBody>
@@ -4731,7 +4722,7 @@
                 <a:solidFill>
                   <a:schemeClr val="bg1"/>
                 </a:solidFill>
-                <a:latin typeface="Futurama" pitchFamily="2" charset="0"/>
+                <a:latin typeface="Ubuntu" panose="020B0504030602030204" pitchFamily="34" charset="0"/>
               </a:rPr>
               <a:t>Formularios</a:t>
             </a:r>
@@ -4739,7 +4730,7 @@
               <a:solidFill>
                 <a:schemeClr val="bg1"/>
               </a:solidFill>
-              <a:latin typeface="Futurama" pitchFamily="2" charset="0"/>
+              <a:latin typeface="Ubuntu" panose="020B0504030602030204" pitchFamily="34" charset="0"/>
             </a:endParaRPr>
           </a:p>
         </p:txBody>
